--- a/Formation programmation JSA - Day 1.pptx
+++ b/Formation programmation JSA - Day 1.pptx
@@ -5,10 +5,10 @@
     <p:sldMasterId id="2147483832" r:id="rId1"/>
   </p:sldMasterIdLst>
   <p:notesMasterIdLst>
-    <p:notesMasterId r:id="rId46"/>
+    <p:notesMasterId r:id="rId48"/>
   </p:notesMasterIdLst>
   <p:handoutMasterIdLst>
-    <p:handoutMasterId r:id="rId47"/>
+    <p:handoutMasterId r:id="rId49"/>
   </p:handoutMasterIdLst>
   <p:sldIdLst>
     <p:sldId id="256" r:id="rId2"/>
@@ -50,11 +50,13 @@
     <p:sldId id="2068" r:id="rId38"/>
     <p:sldId id="2069" r:id="rId39"/>
     <p:sldId id="2070" r:id="rId40"/>
-    <p:sldId id="2072" r:id="rId41"/>
-    <p:sldId id="2119" r:id="rId42"/>
-    <p:sldId id="2120" r:id="rId43"/>
-    <p:sldId id="2106" r:id="rId44"/>
-    <p:sldId id="2071" r:id="rId45"/>
+    <p:sldId id="2134" r:id="rId41"/>
+    <p:sldId id="2072" r:id="rId42"/>
+    <p:sldId id="2135" r:id="rId43"/>
+    <p:sldId id="2119" r:id="rId44"/>
+    <p:sldId id="2120" r:id="rId45"/>
+    <p:sldId id="2106" r:id="rId46"/>
+    <p:sldId id="2071" r:id="rId47"/>
   </p:sldIdLst>
   <p:sldSz cx="10475913" cy="7019925"/>
   <p:notesSz cx="7099300" cy="10234613"/>
@@ -902,7 +904,7 @@
               <a:pPr>
                 <a:defRPr/>
               </a:pPr>
-              <a:t>01/12/2024</a:t>
+              <a:t>02/12/2024</a:t>
             </a:fld>
             <a:endParaRPr lang="x-none" dirty="0"/>
           </a:p>
@@ -2967,7 +2969,7 @@
               <a:pPr>
                 <a:defRPr/>
               </a:pPr>
-              <a:t>01/12/2024</a:t>
+              <a:t>02/12/2024</a:t>
             </a:fld>
             <a:endParaRPr lang="x-none" dirty="0"/>
           </a:p>
@@ -5104,7 +5106,7 @@
               <a:pPr>
                 <a:defRPr/>
               </a:pPr>
-              <a:t>01/12/2024</a:t>
+              <a:t>02/12/2024</a:t>
             </a:fld>
             <a:endParaRPr lang="x-none" dirty="0"/>
           </a:p>
@@ -5991,6 +5993,189 @@
   <p:cSld>
     <p:spTree>
       <p:nvGrpSpPr>
+        <p:cNvPr id="1" name="">
+          <a:extLst>
+            <a:ext uri="{FF2B5EF4-FFF2-40B4-BE49-F238E27FC236}">
+              <a16:creationId xmlns:a16="http://schemas.microsoft.com/office/drawing/2014/main" id="{350B5D9A-F695-CED2-1782-2C4F06E4974F}"/>
+            </a:ext>
+          </a:extLst>
+        </p:cNvPr>
+        <p:cNvGrpSpPr/>
+        <p:nvPr/>
+      </p:nvGrpSpPr>
+      <p:grpSpPr>
+        <a:xfrm>
+          <a:off x="0" y="0"/>
+          <a:ext cx="0" cy="0"/>
+          <a:chOff x="0" y="0"/>
+          <a:chExt cx="0" cy="0"/>
+        </a:xfrm>
+      </p:grpSpPr>
+      <p:sp>
+        <p:nvSpPr>
+          <p:cNvPr id="2" name="Espace réservé de l'image des diapositives 1">
+            <a:extLst>
+              <a:ext uri="{FF2B5EF4-FFF2-40B4-BE49-F238E27FC236}">
+                <a16:creationId xmlns:a16="http://schemas.microsoft.com/office/drawing/2014/main" id="{1CE34F28-E6D1-4F70-630E-BD4335376F0D}"/>
+              </a:ext>
+            </a:extLst>
+          </p:cNvPr>
+          <p:cNvSpPr>
+            <a:spLocks noGrp="1" noRot="1" noChangeAspect="1"/>
+          </p:cNvSpPr>
+          <p:nvPr>
+            <p:ph type="sldImg"/>
+          </p:nvPr>
+        </p:nvSpPr>
+        <p:spPr>
+          <a:xfrm>
+            <a:off x="685800" y="768350"/>
+            <a:ext cx="5727700" cy="3838575"/>
+          </a:xfrm>
+        </p:spPr>
+      </p:sp>
+      <p:sp>
+        <p:nvSpPr>
+          <p:cNvPr id="3" name="Espace réservé des notes 2">
+            <a:extLst>
+              <a:ext uri="{FF2B5EF4-FFF2-40B4-BE49-F238E27FC236}">
+                <a16:creationId xmlns:a16="http://schemas.microsoft.com/office/drawing/2014/main" id="{D183C01B-09F0-C881-EC01-0DBD4E33040A}"/>
+              </a:ext>
+            </a:extLst>
+          </p:cNvPr>
+          <p:cNvSpPr>
+            <a:spLocks noGrp="1"/>
+          </p:cNvSpPr>
+          <p:nvPr>
+            <p:ph type="body" idx="1"/>
+          </p:nvPr>
+        </p:nvSpPr>
+        <p:spPr/>
+        <p:txBody>
+          <a:bodyPr/>
+          <a:lstStyle/>
+          <a:p>
+            <a:endParaRPr lang="fr-TN" dirty="0"/>
+          </a:p>
+        </p:txBody>
+      </p:sp>
+      <p:sp>
+        <p:nvSpPr>
+          <p:cNvPr id="4" name="Espace réservé de l'en-tête 3">
+            <a:extLst>
+              <a:ext uri="{FF2B5EF4-FFF2-40B4-BE49-F238E27FC236}">
+                <a16:creationId xmlns:a16="http://schemas.microsoft.com/office/drawing/2014/main" id="{A026462E-8F2D-FBF3-DA32-916E3CCE1387}"/>
+              </a:ext>
+            </a:extLst>
+          </p:cNvPr>
+          <p:cNvSpPr>
+            <a:spLocks noGrp="1"/>
+          </p:cNvSpPr>
+          <p:nvPr>
+            <p:ph type="hdr" sz="quarter"/>
+          </p:nvPr>
+        </p:nvSpPr>
+        <p:spPr/>
+        <p:txBody>
+          <a:bodyPr/>
+          <a:lstStyle/>
+          <a:p>
+            <a:pPr>
+              <a:defRPr/>
+            </a:pPr>
+            <a:r>
+              <a:rPr lang="fr-FR" dirty="0" err="1"/>
+              <a:t>fdf</a:t>
+            </a:r>
+            <a:endParaRPr lang="fr-FR" dirty="0"/>
+          </a:p>
+        </p:txBody>
+      </p:sp>
+      <p:sp>
+        <p:nvSpPr>
+          <p:cNvPr id="5" name="Espace réservé du pied de page 4">
+            <a:extLst>
+              <a:ext uri="{FF2B5EF4-FFF2-40B4-BE49-F238E27FC236}">
+                <a16:creationId xmlns:a16="http://schemas.microsoft.com/office/drawing/2014/main" id="{CD79D439-2D79-6AE5-5184-EAE142BEFB20}"/>
+              </a:ext>
+            </a:extLst>
+          </p:cNvPr>
+          <p:cNvSpPr>
+            <a:spLocks noGrp="1"/>
+          </p:cNvSpPr>
+          <p:nvPr>
+            <p:ph type="ftr" sz="quarter" idx="4"/>
+          </p:nvPr>
+        </p:nvSpPr>
+        <p:spPr/>
+        <p:txBody>
+          <a:bodyPr/>
+          <a:lstStyle/>
+          <a:p>
+            <a:pPr>
+              <a:defRPr/>
+            </a:pPr>
+            <a:r>
+              <a:rPr lang="fr-FR" dirty="0" err="1"/>
+              <a:t>fsdaf</a:t>
+            </a:r>
+            <a:endParaRPr lang="fr-FR" dirty="0"/>
+          </a:p>
+        </p:txBody>
+      </p:sp>
+      <p:sp>
+        <p:nvSpPr>
+          <p:cNvPr id="6" name="Espace réservé du numéro de diapositive 5">
+            <a:extLst>
+              <a:ext uri="{FF2B5EF4-FFF2-40B4-BE49-F238E27FC236}">
+                <a16:creationId xmlns:a16="http://schemas.microsoft.com/office/drawing/2014/main" id="{F5CD7BE8-6F8E-CCBB-F607-755328E66BA3}"/>
+              </a:ext>
+            </a:extLst>
+          </p:cNvPr>
+          <p:cNvSpPr>
+            <a:spLocks noGrp="1"/>
+          </p:cNvSpPr>
+          <p:nvPr>
+            <p:ph type="sldNum" sz="quarter" idx="5"/>
+          </p:nvPr>
+        </p:nvSpPr>
+        <p:spPr/>
+        <p:txBody>
+          <a:bodyPr/>
+          <a:lstStyle/>
+          <a:p>
+            <a:pPr>
+              <a:defRPr/>
+            </a:pPr>
+            <a:fld id="{8612E637-D044-474B-ACE3-88C58B5B8B55}" type="slidenum">
+              <a:rPr lang="fr-FR" smtClean="0"/>
+              <a:pPr>
+                <a:defRPr/>
+              </a:pPr>
+              <a:t>40</a:t>
+            </a:fld>
+            <a:endParaRPr lang="fr-FR" dirty="0"/>
+          </a:p>
+        </p:txBody>
+      </p:sp>
+    </p:spTree>
+    <p:extLst>
+      <p:ext uri="{BB962C8B-B14F-4D97-AF65-F5344CB8AC3E}">
+        <p14:creationId xmlns:p14="http://schemas.microsoft.com/office/powerpoint/2010/main" val="1780159074"/>
+      </p:ext>
+    </p:extLst>
+  </p:cSld>
+  <p:clrMapOvr>
+    <a:masterClrMapping/>
+  </p:clrMapOvr>
+</p:notes>
+</file>
+
+<file path=ppt/notesSlides/notesSlide34.xml><?xml version="1.0" encoding="utf-8"?>
+<p:notes xmlns:a="http://schemas.openxmlformats.org/drawingml/2006/main" xmlns:r="http://schemas.openxmlformats.org/officeDocument/2006/relationships" xmlns:p="http://schemas.openxmlformats.org/presentationml/2006/main">
+  <p:cSld>
+    <p:spTree>
+      <p:nvGrpSpPr>
         <p:cNvPr id="1" name=""/>
         <p:cNvGrpSpPr/>
         <p:nvPr/>
@@ -6114,7 +6299,7 @@
               <a:pPr>
                 <a:defRPr/>
               </a:pPr>
-              <a:t>40</a:t>
+              <a:t>41</a:t>
             </a:fld>
             <a:endParaRPr lang="fr-FR" dirty="0"/>
           </a:p>
@@ -6133,7 +6318,190 @@
 </p:notes>
 </file>
 
-<file path=ppt/notesSlides/notesSlide34.xml><?xml version="1.0" encoding="utf-8"?>
+<file path=ppt/notesSlides/notesSlide35.xml><?xml version="1.0" encoding="utf-8"?>
+<p:notes xmlns:a="http://schemas.openxmlformats.org/drawingml/2006/main" xmlns:r="http://schemas.openxmlformats.org/officeDocument/2006/relationships" xmlns:p="http://schemas.openxmlformats.org/presentationml/2006/main">
+  <p:cSld>
+    <p:spTree>
+      <p:nvGrpSpPr>
+        <p:cNvPr id="1" name="">
+          <a:extLst>
+            <a:ext uri="{FF2B5EF4-FFF2-40B4-BE49-F238E27FC236}">
+              <a16:creationId xmlns:a16="http://schemas.microsoft.com/office/drawing/2014/main" id="{BA9081EE-C147-4999-1B10-73109E118856}"/>
+            </a:ext>
+          </a:extLst>
+        </p:cNvPr>
+        <p:cNvGrpSpPr/>
+        <p:nvPr/>
+      </p:nvGrpSpPr>
+      <p:grpSpPr>
+        <a:xfrm>
+          <a:off x="0" y="0"/>
+          <a:ext cx="0" cy="0"/>
+          <a:chOff x="0" y="0"/>
+          <a:chExt cx="0" cy="0"/>
+        </a:xfrm>
+      </p:grpSpPr>
+      <p:sp>
+        <p:nvSpPr>
+          <p:cNvPr id="2" name="Espace réservé de l'image des diapositives 1">
+            <a:extLst>
+              <a:ext uri="{FF2B5EF4-FFF2-40B4-BE49-F238E27FC236}">
+                <a16:creationId xmlns:a16="http://schemas.microsoft.com/office/drawing/2014/main" id="{0465F412-A994-2AC3-4D8B-85D2677A8BF5}"/>
+              </a:ext>
+            </a:extLst>
+          </p:cNvPr>
+          <p:cNvSpPr>
+            <a:spLocks noGrp="1" noRot="1" noChangeAspect="1"/>
+          </p:cNvSpPr>
+          <p:nvPr>
+            <p:ph type="sldImg"/>
+          </p:nvPr>
+        </p:nvSpPr>
+        <p:spPr>
+          <a:xfrm>
+            <a:off x="685800" y="768350"/>
+            <a:ext cx="5727700" cy="3838575"/>
+          </a:xfrm>
+        </p:spPr>
+      </p:sp>
+      <p:sp>
+        <p:nvSpPr>
+          <p:cNvPr id="3" name="Espace réservé des notes 2">
+            <a:extLst>
+              <a:ext uri="{FF2B5EF4-FFF2-40B4-BE49-F238E27FC236}">
+                <a16:creationId xmlns:a16="http://schemas.microsoft.com/office/drawing/2014/main" id="{AEADD380-327E-B543-FEFF-79A51180D233}"/>
+              </a:ext>
+            </a:extLst>
+          </p:cNvPr>
+          <p:cNvSpPr>
+            <a:spLocks noGrp="1"/>
+          </p:cNvSpPr>
+          <p:nvPr>
+            <p:ph type="body" idx="1"/>
+          </p:nvPr>
+        </p:nvSpPr>
+        <p:spPr/>
+        <p:txBody>
+          <a:bodyPr/>
+          <a:lstStyle/>
+          <a:p>
+            <a:endParaRPr lang="fr-TN" dirty="0"/>
+          </a:p>
+        </p:txBody>
+      </p:sp>
+      <p:sp>
+        <p:nvSpPr>
+          <p:cNvPr id="4" name="Espace réservé de l'en-tête 3">
+            <a:extLst>
+              <a:ext uri="{FF2B5EF4-FFF2-40B4-BE49-F238E27FC236}">
+                <a16:creationId xmlns:a16="http://schemas.microsoft.com/office/drawing/2014/main" id="{E63221AD-A28D-5B53-D3E0-3D033EFE27A9}"/>
+              </a:ext>
+            </a:extLst>
+          </p:cNvPr>
+          <p:cNvSpPr>
+            <a:spLocks noGrp="1"/>
+          </p:cNvSpPr>
+          <p:nvPr>
+            <p:ph type="hdr" sz="quarter"/>
+          </p:nvPr>
+        </p:nvSpPr>
+        <p:spPr/>
+        <p:txBody>
+          <a:bodyPr/>
+          <a:lstStyle/>
+          <a:p>
+            <a:pPr>
+              <a:defRPr/>
+            </a:pPr>
+            <a:r>
+              <a:rPr lang="fr-FR" dirty="0" err="1"/>
+              <a:t>fdf</a:t>
+            </a:r>
+            <a:endParaRPr lang="fr-FR" dirty="0"/>
+          </a:p>
+        </p:txBody>
+      </p:sp>
+      <p:sp>
+        <p:nvSpPr>
+          <p:cNvPr id="5" name="Espace réservé du pied de page 4">
+            <a:extLst>
+              <a:ext uri="{FF2B5EF4-FFF2-40B4-BE49-F238E27FC236}">
+                <a16:creationId xmlns:a16="http://schemas.microsoft.com/office/drawing/2014/main" id="{FD64DEFC-7C79-F5EE-0240-1AB44EE81B29}"/>
+              </a:ext>
+            </a:extLst>
+          </p:cNvPr>
+          <p:cNvSpPr>
+            <a:spLocks noGrp="1"/>
+          </p:cNvSpPr>
+          <p:nvPr>
+            <p:ph type="ftr" sz="quarter" idx="4"/>
+          </p:nvPr>
+        </p:nvSpPr>
+        <p:spPr/>
+        <p:txBody>
+          <a:bodyPr/>
+          <a:lstStyle/>
+          <a:p>
+            <a:pPr>
+              <a:defRPr/>
+            </a:pPr>
+            <a:r>
+              <a:rPr lang="fr-FR" dirty="0" err="1"/>
+              <a:t>fsdaf</a:t>
+            </a:r>
+            <a:endParaRPr lang="fr-FR" dirty="0"/>
+          </a:p>
+        </p:txBody>
+      </p:sp>
+      <p:sp>
+        <p:nvSpPr>
+          <p:cNvPr id="6" name="Espace réservé du numéro de diapositive 5">
+            <a:extLst>
+              <a:ext uri="{FF2B5EF4-FFF2-40B4-BE49-F238E27FC236}">
+                <a16:creationId xmlns:a16="http://schemas.microsoft.com/office/drawing/2014/main" id="{A13FB751-CFFD-0E7B-E84C-F247098B1266}"/>
+              </a:ext>
+            </a:extLst>
+          </p:cNvPr>
+          <p:cNvSpPr>
+            <a:spLocks noGrp="1"/>
+          </p:cNvSpPr>
+          <p:nvPr>
+            <p:ph type="sldNum" sz="quarter" idx="5"/>
+          </p:nvPr>
+        </p:nvSpPr>
+        <p:spPr/>
+        <p:txBody>
+          <a:bodyPr/>
+          <a:lstStyle/>
+          <a:p>
+            <a:pPr>
+              <a:defRPr/>
+            </a:pPr>
+            <a:fld id="{8612E637-D044-474B-ACE3-88C58B5B8B55}" type="slidenum">
+              <a:rPr lang="fr-FR" smtClean="0"/>
+              <a:pPr>
+                <a:defRPr/>
+              </a:pPr>
+              <a:t>42</a:t>
+            </a:fld>
+            <a:endParaRPr lang="fr-FR" dirty="0"/>
+          </a:p>
+        </p:txBody>
+      </p:sp>
+    </p:spTree>
+    <p:extLst>
+      <p:ext uri="{BB962C8B-B14F-4D97-AF65-F5344CB8AC3E}">
+        <p14:creationId xmlns:p14="http://schemas.microsoft.com/office/powerpoint/2010/main" val="757020816"/>
+      </p:ext>
+    </p:extLst>
+  </p:cSld>
+  <p:clrMapOvr>
+    <a:masterClrMapping/>
+  </p:clrMapOvr>
+</p:notes>
+</file>
+
+<file path=ppt/notesSlides/notesSlide36.xml><?xml version="1.0" encoding="utf-8"?>
 <p:notes xmlns:a="http://schemas.openxmlformats.org/drawingml/2006/main" xmlns:r="http://schemas.openxmlformats.org/officeDocument/2006/relationships" xmlns:p="http://schemas.openxmlformats.org/presentationml/2006/main">
   <p:cSld>
     <p:spTree>
@@ -6297,7 +6665,7 @@
               <a:pPr>
                 <a:defRPr/>
               </a:pPr>
-              <a:t>41</a:t>
+              <a:t>43</a:t>
             </a:fld>
             <a:endParaRPr lang="fr-FR" dirty="0"/>
           </a:p>
@@ -6316,7 +6684,7 @@
 </p:notes>
 </file>
 
-<file path=ppt/notesSlides/notesSlide35.xml><?xml version="1.0" encoding="utf-8"?>
+<file path=ppt/notesSlides/notesSlide37.xml><?xml version="1.0" encoding="utf-8"?>
 <p:notes xmlns:a="http://schemas.openxmlformats.org/drawingml/2006/main" xmlns:r="http://schemas.openxmlformats.org/officeDocument/2006/relationships" xmlns:p="http://schemas.openxmlformats.org/presentationml/2006/main">
   <p:cSld>
     <p:spTree>
@@ -6480,7 +6848,7 @@
               <a:pPr>
                 <a:defRPr/>
               </a:pPr>
-              <a:t>42</a:t>
+              <a:t>44</a:t>
             </a:fld>
             <a:endParaRPr lang="fr-FR" dirty="0"/>
           </a:p>
@@ -6499,7 +6867,7 @@
 </p:notes>
 </file>
 
-<file path=ppt/notesSlides/notesSlide36.xml><?xml version="1.0" encoding="utf-8"?>
+<file path=ppt/notesSlides/notesSlide38.xml><?xml version="1.0" encoding="utf-8"?>
 <p:notes xmlns:a="http://schemas.openxmlformats.org/drawingml/2006/main" xmlns:r="http://schemas.openxmlformats.org/officeDocument/2006/relationships" xmlns:p="http://schemas.openxmlformats.org/presentationml/2006/main">
   <p:cSld>
     <p:spTree>
@@ -6627,7 +6995,7 @@
               <a:pPr>
                 <a:defRPr/>
               </a:pPr>
-              <a:t>43</a:t>
+              <a:t>45</a:t>
             </a:fld>
             <a:endParaRPr lang="fr-FR" dirty="0"/>
           </a:p>
@@ -6646,7 +7014,7 @@
 </p:notes>
 </file>
 
-<file path=ppt/notesSlides/notesSlide37.xml><?xml version="1.0" encoding="utf-8"?>
+<file path=ppt/notesSlides/notesSlide39.xml><?xml version="1.0" encoding="utf-8"?>
 <p:notes xmlns:a="http://schemas.openxmlformats.org/drawingml/2006/main" xmlns:r="http://schemas.openxmlformats.org/officeDocument/2006/relationships" xmlns:p="http://schemas.openxmlformats.org/presentationml/2006/main">
   <p:cSld>
     <p:spTree>
@@ -6774,7 +7142,7 @@
               <a:pPr>
                 <a:defRPr/>
               </a:pPr>
-              <a:t>44</a:t>
+              <a:t>46</a:t>
             </a:fld>
             <a:endParaRPr lang="fr-FR" dirty="0"/>
           </a:p>
@@ -6839,7 +7207,7 @@
               <a:pPr>
                 <a:defRPr/>
               </a:pPr>
-              <a:t>01/12/2024</a:t>
+              <a:t>02/12/2024</a:t>
             </a:fld>
             <a:endParaRPr lang="x-none" dirty="0"/>
           </a:p>
@@ -7326,7 +7694,7 @@
               <a:pPr>
                 <a:defRPr/>
               </a:pPr>
-              <a:t>01/12/2024</a:t>
+              <a:t>02/12/2024</a:t>
             </a:fld>
             <a:endParaRPr lang="x-none" dirty="0"/>
           </a:p>
@@ -7813,7 +8181,7 @@
               <a:pPr>
                 <a:defRPr/>
               </a:pPr>
-              <a:t>01/12/2024</a:t>
+              <a:t>02/12/2024</a:t>
             </a:fld>
             <a:endParaRPr lang="x-none" dirty="0"/>
           </a:p>
@@ -10530,7 +10898,7 @@
           <a:p>
             <a:fld id="{1D8BD707-D9CF-40AE-B4C6-C98DA3205C09}" type="datetimeFigureOut">
               <a:rPr lang="en-US"/>
-              <a:t>12/1/2024</a:t>
+              <a:t>12/2/2024</a:t>
             </a:fld>
             <a:endParaRPr lang="en-US"/>
           </a:p>
@@ -33075,6 +33443,410 @@
   <p:cSld>
     <p:spTree>
       <p:nvGrpSpPr>
+        <p:cNvPr id="1" name="">
+          <a:extLst>
+            <a:ext uri="{FF2B5EF4-FFF2-40B4-BE49-F238E27FC236}">
+              <a16:creationId xmlns:a16="http://schemas.microsoft.com/office/drawing/2014/main" id="{69ACD88C-555A-4D8F-03A8-BA3F07EFCBD6}"/>
+            </a:ext>
+          </a:extLst>
+        </p:cNvPr>
+        <p:cNvGrpSpPr/>
+        <p:nvPr/>
+      </p:nvGrpSpPr>
+      <p:grpSpPr>
+        <a:xfrm>
+          <a:off x="0" y="0"/>
+          <a:ext cx="0" cy="0"/>
+          <a:chOff x="0" y="0"/>
+          <a:chExt cx="0" cy="0"/>
+        </a:xfrm>
+      </p:grpSpPr>
+      <p:sp>
+        <p:nvSpPr>
+          <p:cNvPr id="7" name="Espace réservé du numéro de diapositive 6">
+            <a:extLst>
+              <a:ext uri="{FF2B5EF4-FFF2-40B4-BE49-F238E27FC236}">
+                <a16:creationId xmlns:a16="http://schemas.microsoft.com/office/drawing/2014/main" id="{C3AD7C63-133C-49E4-AB17-E365148768A2}"/>
+              </a:ext>
+            </a:extLst>
+          </p:cNvPr>
+          <p:cNvSpPr>
+            <a:spLocks noGrp="1"/>
+          </p:cNvSpPr>
+          <p:nvPr>
+            <p:ph type="sldNum" sz="quarter" idx="12"/>
+          </p:nvPr>
+        </p:nvSpPr>
+        <p:spPr/>
+        <p:txBody>
+          <a:bodyPr/>
+          <a:lstStyle/>
+          <a:p>
+            <a:fld id="{9705A05D-FF3A-44F5-A745-C0E08A1F0267}" type="slidenum">
+              <a:rPr lang="fr-FR" smtClean="0"/>
+              <a:pPr/>
+              <a:t>40</a:t>
+            </a:fld>
+            <a:endParaRPr lang="fr-FR" dirty="0"/>
+          </a:p>
+        </p:txBody>
+      </p:sp>
+      <p:sp>
+        <p:nvSpPr>
+          <p:cNvPr id="3" name="ZoneTexte 2">
+            <a:extLst>
+              <a:ext uri="{FF2B5EF4-FFF2-40B4-BE49-F238E27FC236}">
+                <a16:creationId xmlns:a16="http://schemas.microsoft.com/office/drawing/2014/main" id="{A7253627-4E3C-BDDC-9F0D-ACDB8032E255}"/>
+              </a:ext>
+            </a:extLst>
+          </p:cNvPr>
+          <p:cNvSpPr txBox="1"/>
+          <p:nvPr/>
+        </p:nvSpPr>
+        <p:spPr>
+          <a:xfrm>
+            <a:off x="1205508" y="989682"/>
+            <a:ext cx="8191156" cy="3780522"/>
+          </a:xfrm>
+          <a:prstGeom prst="rect">
+            <a:avLst/>
+          </a:prstGeom>
+          <a:noFill/>
+        </p:spPr>
+        <p:txBody>
+          <a:bodyPr wrap="square">
+            <a:spAutoFit/>
+          </a:bodyPr>
+          <a:lstStyle/>
+          <a:p>
+            <a:pPr>
+              <a:lnSpc>
+                <a:spcPct val="150000"/>
+              </a:lnSpc>
+            </a:pPr>
+            <a:r>
+              <a:rPr lang="fr-FR" sz="1800" b="1" dirty="0">
+                <a:highlight>
+                  <a:srgbClr val="00FFFF"/>
+                </a:highlight>
+              </a:rPr>
+              <a:t>Prototype et __proto__ en JavaScript</a:t>
+            </a:r>
+          </a:p>
+          <a:p>
+            <a:pPr>
+              <a:lnSpc>
+                <a:spcPct val="150000"/>
+              </a:lnSpc>
+            </a:pPr>
+            <a:endParaRPr lang="fr-FR" sz="1800" dirty="0"/>
+          </a:p>
+          <a:p>
+            <a:pPr>
+              <a:lnSpc>
+                <a:spcPct val="150000"/>
+              </a:lnSpc>
+            </a:pPr>
+            <a:endParaRPr lang="fr-FR" sz="1800" dirty="0"/>
+          </a:p>
+          <a:p>
+            <a:pPr>
+              <a:lnSpc>
+                <a:spcPct val="150000"/>
+              </a:lnSpc>
+            </a:pPr>
+            <a:endParaRPr lang="fr-FR" sz="1800" dirty="0"/>
+          </a:p>
+          <a:p>
+            <a:pPr>
+              <a:lnSpc>
+                <a:spcPct val="150000"/>
+              </a:lnSpc>
+            </a:pPr>
+            <a:endParaRPr lang="fr-FR" sz="1800" dirty="0"/>
+          </a:p>
+          <a:p>
+            <a:pPr>
+              <a:lnSpc>
+                <a:spcPct val="150000"/>
+              </a:lnSpc>
+            </a:pPr>
+            <a:endParaRPr lang="fr-FR" sz="1800" dirty="0"/>
+          </a:p>
+          <a:p>
+            <a:pPr>
+              <a:lnSpc>
+                <a:spcPct val="150000"/>
+              </a:lnSpc>
+            </a:pPr>
+            <a:endParaRPr lang="fr-FR" sz="1800" dirty="0"/>
+          </a:p>
+          <a:p>
+            <a:pPr>
+              <a:lnSpc>
+                <a:spcPct val="150000"/>
+              </a:lnSpc>
+            </a:pPr>
+            <a:endParaRPr lang="fr-FR" sz="1800" dirty="0"/>
+          </a:p>
+          <a:p>
+            <a:pPr>
+              <a:lnSpc>
+                <a:spcPct val="150000"/>
+              </a:lnSpc>
+            </a:pPr>
+            <a:endParaRPr lang="fr-FR" sz="1800" dirty="0"/>
+          </a:p>
+        </p:txBody>
+      </p:sp>
+      <p:sp>
+        <p:nvSpPr>
+          <p:cNvPr id="9" name="Rectangle 5">
+            <a:extLst>
+              <a:ext uri="{FF2B5EF4-FFF2-40B4-BE49-F238E27FC236}">
+                <a16:creationId xmlns:a16="http://schemas.microsoft.com/office/drawing/2014/main" id="{98E4398B-1305-0E16-EBF1-AF650D885E80}"/>
+              </a:ext>
+            </a:extLst>
+          </p:cNvPr>
+          <p:cNvSpPr>
+            <a:spLocks/>
+          </p:cNvSpPr>
+          <p:nvPr/>
+        </p:nvSpPr>
+        <p:spPr bwMode="auto">
+          <a:xfrm>
+            <a:off x="485428" y="129973"/>
+            <a:ext cx="9649072" cy="369332"/>
+          </a:xfrm>
+          <a:prstGeom prst="rect">
+            <a:avLst/>
+          </a:prstGeom>
+          <a:noFill/>
+          <a:ln>
+            <a:noFill/>
+          </a:ln>
+        </p:spPr>
+        <p:txBody>
+          <a:bodyPr wrap="square" lIns="0" tIns="0" rIns="0" bIns="0">
+            <a:spAutoFit/>
+          </a:bodyPr>
+          <a:lstStyle>
+            <a:lvl1pPr algn="ctr" eaLnBrk="0" hangingPunct="0">
+              <a:defRPr u="sng">
+                <a:solidFill>
+                  <a:schemeClr val="tx2"/>
+                </a:solidFill>
+                <a:latin typeface="Calibri" panose="020F0502020204030204" pitchFamily="34" charset="0"/>
+              </a:defRPr>
+            </a:lvl1pPr>
+            <a:lvl2pPr algn="ctr" eaLnBrk="0" hangingPunct="0">
+              <a:defRPr u="sng">
+                <a:solidFill>
+                  <a:schemeClr val="tx2"/>
+                </a:solidFill>
+                <a:latin typeface="Calibri" panose="020F0502020204030204" pitchFamily="34" charset="0"/>
+              </a:defRPr>
+            </a:lvl2pPr>
+            <a:lvl3pPr algn="ctr" eaLnBrk="0" hangingPunct="0">
+              <a:defRPr u="sng">
+                <a:solidFill>
+                  <a:schemeClr val="tx2"/>
+                </a:solidFill>
+                <a:latin typeface="Calibri" panose="020F0502020204030204" pitchFamily="34" charset="0"/>
+              </a:defRPr>
+            </a:lvl3pPr>
+            <a:lvl4pPr algn="ctr" eaLnBrk="0" hangingPunct="0">
+              <a:defRPr u="sng">
+                <a:solidFill>
+                  <a:schemeClr val="tx2"/>
+                </a:solidFill>
+                <a:latin typeface="Calibri" panose="020F0502020204030204" pitchFamily="34" charset="0"/>
+              </a:defRPr>
+            </a:lvl4pPr>
+            <a:lvl5pPr algn="ctr" eaLnBrk="0" hangingPunct="0">
+              <a:defRPr u="sng">
+                <a:solidFill>
+                  <a:schemeClr val="tx2"/>
+                </a:solidFill>
+                <a:latin typeface="Calibri" panose="020F0502020204030204" pitchFamily="34" charset="0"/>
+              </a:defRPr>
+            </a:lvl5pPr>
+            <a:lvl6pPr marL="457200" algn="ctr" eaLnBrk="0" fontAlgn="base" hangingPunct="0">
+              <a:spcBef>
+                <a:spcPct val="0"/>
+              </a:spcBef>
+              <a:spcAft>
+                <a:spcPct val="0"/>
+              </a:spcAft>
+              <a:defRPr u="sng">
+                <a:solidFill>
+                  <a:schemeClr val="tx2"/>
+                </a:solidFill>
+                <a:latin typeface="Calibri" panose="020F0502020204030204" pitchFamily="34" charset="0"/>
+              </a:defRPr>
+            </a:lvl6pPr>
+            <a:lvl7pPr marL="914400" algn="ctr" eaLnBrk="0" fontAlgn="base" hangingPunct="0">
+              <a:spcBef>
+                <a:spcPct val="0"/>
+              </a:spcBef>
+              <a:spcAft>
+                <a:spcPct val="0"/>
+              </a:spcAft>
+              <a:defRPr u="sng">
+                <a:solidFill>
+                  <a:schemeClr val="tx2"/>
+                </a:solidFill>
+                <a:latin typeface="Calibri" panose="020F0502020204030204" pitchFamily="34" charset="0"/>
+              </a:defRPr>
+            </a:lvl7pPr>
+            <a:lvl8pPr marL="1371600" algn="ctr" eaLnBrk="0" fontAlgn="base" hangingPunct="0">
+              <a:spcBef>
+                <a:spcPct val="0"/>
+              </a:spcBef>
+              <a:spcAft>
+                <a:spcPct val="0"/>
+              </a:spcAft>
+              <a:defRPr u="sng">
+                <a:solidFill>
+                  <a:schemeClr val="tx2"/>
+                </a:solidFill>
+                <a:latin typeface="Calibri" panose="020F0502020204030204" pitchFamily="34" charset="0"/>
+              </a:defRPr>
+            </a:lvl8pPr>
+            <a:lvl9pPr marL="1828800" algn="ctr" eaLnBrk="0" fontAlgn="base" hangingPunct="0">
+              <a:spcBef>
+                <a:spcPct val="0"/>
+              </a:spcBef>
+              <a:spcAft>
+                <a:spcPct val="0"/>
+              </a:spcAft>
+              <a:defRPr u="sng">
+                <a:solidFill>
+                  <a:schemeClr val="tx2"/>
+                </a:solidFill>
+                <a:latin typeface="Calibri" panose="020F0502020204030204" pitchFamily="34" charset="0"/>
+              </a:defRPr>
+            </a:lvl9pPr>
+          </a:lstStyle>
+          <a:p>
+            <a:pPr algn="r">
+              <a:defRPr/>
+            </a:pPr>
+            <a:r>
+              <a:rPr lang="fr-FR" altLang="fr-FR" sz="2400" u="none" dirty="0">
+                <a:solidFill>
+                  <a:schemeClr val="tx1"/>
+                </a:solidFill>
+                <a:latin typeface="Gill Sans MT" panose="020B0502020104020203" pitchFamily="34" charset="77"/>
+                <a:cs typeface="Arial" panose="020B0604020202020204" pitchFamily="34" charset="0"/>
+              </a:rPr>
+              <a:t>Programmation objet en JS</a:t>
+            </a:r>
+          </a:p>
+        </p:txBody>
+      </p:sp>
+      <p:pic>
+        <p:nvPicPr>
+          <p:cNvPr id="4" name="Image 3" descr="Une image contenant texte, capture d’écran, Police, reçu&#10;&#10;Description générée automatiquement">
+            <a:extLst>
+              <a:ext uri="{FF2B5EF4-FFF2-40B4-BE49-F238E27FC236}">
+                <a16:creationId xmlns:a16="http://schemas.microsoft.com/office/drawing/2014/main" id="{77ECD525-CE1A-FF24-2A99-47B6FCED5A62}"/>
+              </a:ext>
+            </a:extLst>
+          </p:cNvPr>
+          <p:cNvPicPr>
+            <a:picLocks noChangeAspect="1"/>
+          </p:cNvPicPr>
+          <p:nvPr/>
+        </p:nvPicPr>
+        <p:blipFill>
+          <a:blip r:embed="rId3">
+            <a:extLst>
+              <a:ext uri="{28A0092B-C50C-407E-A947-70E740481C1C}">
+                <a14:useLocalDpi xmlns:a14="http://schemas.microsoft.com/office/drawing/2010/main" val="0"/>
+              </a:ext>
+            </a:extLst>
+          </a:blip>
+          <a:stretch>
+            <a:fillRect/>
+          </a:stretch>
+        </p:blipFill>
+        <p:spPr>
+          <a:xfrm>
+            <a:off x="539359" y="1781770"/>
+            <a:ext cx="9880751" cy="2376264"/>
+          </a:xfrm>
+          <a:prstGeom prst="rect">
+            <a:avLst/>
+          </a:prstGeom>
+        </p:spPr>
+      </p:pic>
+      <p:pic>
+        <p:nvPicPr>
+          <p:cNvPr id="10" name="Image 9" descr="Une image contenant texte, capture d’écran, Police, ligne&#10;&#10;Description générée automatiquement">
+            <a:extLst>
+              <a:ext uri="{FF2B5EF4-FFF2-40B4-BE49-F238E27FC236}">
+                <a16:creationId xmlns:a16="http://schemas.microsoft.com/office/drawing/2014/main" id="{CEF8C9B7-84D7-52D7-CC76-84A954AA118E}"/>
+              </a:ext>
+            </a:extLst>
+          </p:cNvPr>
+          <p:cNvPicPr>
+            <a:picLocks noChangeAspect="1"/>
+          </p:cNvPicPr>
+          <p:nvPr/>
+        </p:nvPicPr>
+        <p:blipFill>
+          <a:blip r:embed="rId4">
+            <a:extLst>
+              <a:ext uri="{28A0092B-C50C-407E-A947-70E740481C1C}">
+                <a14:useLocalDpi xmlns:a14="http://schemas.microsoft.com/office/drawing/2010/main" val="0"/>
+              </a:ext>
+            </a:extLst>
+          </a:blip>
+          <a:stretch>
+            <a:fillRect/>
+          </a:stretch>
+        </p:blipFill>
+        <p:spPr>
+          <a:xfrm>
+            <a:off x="1837842" y="4950122"/>
+            <a:ext cx="6800227" cy="1528358"/>
+          </a:xfrm>
+          <a:prstGeom prst="rect">
+            <a:avLst/>
+          </a:prstGeom>
+        </p:spPr>
+      </p:pic>
+    </p:spTree>
+    <p:extLst>
+      <p:ext uri="{BB962C8B-B14F-4D97-AF65-F5344CB8AC3E}">
+        <p14:creationId xmlns:p14="http://schemas.microsoft.com/office/powerpoint/2010/main" val="3365343352"/>
+      </p:ext>
+    </p:extLst>
+  </p:cSld>
+  <p:clrMapOvr>
+    <a:masterClrMapping/>
+  </p:clrMapOvr>
+  <mc:AlternateContent xmlns:mc="http://schemas.openxmlformats.org/markup-compatibility/2006" xmlns:p14="http://schemas.microsoft.com/office/powerpoint/2010/main">
+    <mc:Choice Requires="p14">
+      <p:transition spd="slow" p14:dur="1600">
+        <p14:gallery dir="l"/>
+      </p:transition>
+    </mc:Choice>
+    <mc:Fallback xmlns="">
+      <p:transition spd="slow">
+        <p:fade/>
+      </p:transition>
+    </mc:Fallback>
+  </mc:AlternateContent>
+</p:sld>
+</file>
+
+<file path=ppt/slides/slide41.xml><?xml version="1.0" encoding="utf-8"?>
+<p:sld xmlns:a="http://schemas.openxmlformats.org/drawingml/2006/main" xmlns:r="http://schemas.openxmlformats.org/officeDocument/2006/relationships" xmlns:p="http://schemas.openxmlformats.org/presentationml/2006/main">
+  <p:cSld>
+    <p:spTree>
+      <p:nvGrpSpPr>
         <p:cNvPr id="1" name=""/>
         <p:cNvGrpSpPr/>
         <p:nvPr/>
@@ -33111,7 +33883,7 @@
             <a:fld id="{9705A05D-FF3A-44F5-A745-C0E08A1F0267}" type="slidenum">
               <a:rPr lang="fr-FR" smtClean="0"/>
               <a:pPr/>
-              <a:t>40</a:t>
+              <a:t>41</a:t>
             </a:fld>
             <a:endParaRPr lang="fr-FR" dirty="0"/>
           </a:p>
@@ -33471,7 +34243,359 @@
 </p:sld>
 </file>
 
-<file path=ppt/slides/slide41.xml><?xml version="1.0" encoding="utf-8"?>
+<file path=ppt/slides/slide42.xml><?xml version="1.0" encoding="utf-8"?>
+<p:sld xmlns:a="http://schemas.openxmlformats.org/drawingml/2006/main" xmlns:r="http://schemas.openxmlformats.org/officeDocument/2006/relationships" xmlns:p="http://schemas.openxmlformats.org/presentationml/2006/main">
+  <p:cSld>
+    <p:spTree>
+      <p:nvGrpSpPr>
+        <p:cNvPr id="1" name="">
+          <a:extLst>
+            <a:ext uri="{FF2B5EF4-FFF2-40B4-BE49-F238E27FC236}">
+              <a16:creationId xmlns:a16="http://schemas.microsoft.com/office/drawing/2014/main" id="{8AEE81AA-D66E-9223-52AF-F2044ADC3D0C}"/>
+            </a:ext>
+          </a:extLst>
+        </p:cNvPr>
+        <p:cNvGrpSpPr/>
+        <p:nvPr/>
+      </p:nvGrpSpPr>
+      <p:grpSpPr>
+        <a:xfrm>
+          <a:off x="0" y="0"/>
+          <a:ext cx="0" cy="0"/>
+          <a:chOff x="0" y="0"/>
+          <a:chExt cx="0" cy="0"/>
+        </a:xfrm>
+      </p:grpSpPr>
+      <p:sp>
+        <p:nvSpPr>
+          <p:cNvPr id="7" name="Espace réservé du numéro de diapositive 6">
+            <a:extLst>
+              <a:ext uri="{FF2B5EF4-FFF2-40B4-BE49-F238E27FC236}">
+                <a16:creationId xmlns:a16="http://schemas.microsoft.com/office/drawing/2014/main" id="{638DEA2C-3A07-6F44-B2DD-37C3EE90C981}"/>
+              </a:ext>
+            </a:extLst>
+          </p:cNvPr>
+          <p:cNvSpPr>
+            <a:spLocks noGrp="1"/>
+          </p:cNvSpPr>
+          <p:nvPr>
+            <p:ph type="sldNum" sz="quarter" idx="12"/>
+          </p:nvPr>
+        </p:nvSpPr>
+        <p:spPr/>
+        <p:txBody>
+          <a:bodyPr/>
+          <a:lstStyle/>
+          <a:p>
+            <a:fld id="{9705A05D-FF3A-44F5-A745-C0E08A1F0267}" type="slidenum">
+              <a:rPr lang="fr-FR" smtClean="0"/>
+              <a:pPr/>
+              <a:t>42</a:t>
+            </a:fld>
+            <a:endParaRPr lang="fr-FR" dirty="0"/>
+          </a:p>
+        </p:txBody>
+      </p:sp>
+      <p:sp>
+        <p:nvSpPr>
+          <p:cNvPr id="3" name="ZoneTexte 2">
+            <a:extLst>
+              <a:ext uri="{FF2B5EF4-FFF2-40B4-BE49-F238E27FC236}">
+                <a16:creationId xmlns:a16="http://schemas.microsoft.com/office/drawing/2014/main" id="{472C6E45-6CE8-4D03-8494-123A833F5F64}"/>
+              </a:ext>
+            </a:extLst>
+          </p:cNvPr>
+          <p:cNvSpPr txBox="1"/>
+          <p:nvPr/>
+        </p:nvSpPr>
+        <p:spPr>
+          <a:xfrm>
+            <a:off x="1205508" y="989682"/>
+            <a:ext cx="8191156" cy="2949525"/>
+          </a:xfrm>
+          <a:prstGeom prst="rect">
+            <a:avLst/>
+          </a:prstGeom>
+          <a:noFill/>
+        </p:spPr>
+        <p:txBody>
+          <a:bodyPr wrap="square">
+            <a:spAutoFit/>
+          </a:bodyPr>
+          <a:lstStyle/>
+          <a:p>
+            <a:pPr>
+              <a:lnSpc>
+                <a:spcPct val="150000"/>
+              </a:lnSpc>
+            </a:pPr>
+            <a:r>
+              <a:rPr lang="fr-FR" sz="1800" b="1" dirty="0">
+                <a:highlight>
+                  <a:srgbClr val="00FFFF"/>
+                </a:highlight>
+              </a:rPr>
+              <a:t>Héritage</a:t>
+            </a:r>
+          </a:p>
+          <a:p>
+            <a:pPr>
+              <a:lnSpc>
+                <a:spcPct val="150000"/>
+              </a:lnSpc>
+            </a:pPr>
+            <a:endParaRPr lang="fr-FR" sz="1800" dirty="0"/>
+          </a:p>
+          <a:p>
+            <a:pPr>
+              <a:lnSpc>
+                <a:spcPct val="150000"/>
+              </a:lnSpc>
+            </a:pPr>
+            <a:endParaRPr lang="fr-FR" sz="1800" dirty="0"/>
+          </a:p>
+          <a:p>
+            <a:pPr>
+              <a:lnSpc>
+                <a:spcPct val="150000"/>
+              </a:lnSpc>
+            </a:pPr>
+            <a:endParaRPr lang="fr-FR" sz="1800" dirty="0"/>
+          </a:p>
+          <a:p>
+            <a:pPr>
+              <a:lnSpc>
+                <a:spcPct val="150000"/>
+              </a:lnSpc>
+            </a:pPr>
+            <a:endParaRPr lang="fr-FR" sz="1800" dirty="0"/>
+          </a:p>
+          <a:p>
+            <a:pPr>
+              <a:lnSpc>
+                <a:spcPct val="150000"/>
+              </a:lnSpc>
+            </a:pPr>
+            <a:endParaRPr lang="fr-FR" sz="1800" dirty="0"/>
+          </a:p>
+          <a:p>
+            <a:pPr>
+              <a:lnSpc>
+                <a:spcPct val="150000"/>
+              </a:lnSpc>
+            </a:pPr>
+            <a:endParaRPr lang="fr-FR" sz="1800" dirty="0"/>
+          </a:p>
+        </p:txBody>
+      </p:sp>
+      <p:sp>
+        <p:nvSpPr>
+          <p:cNvPr id="8" name="Rectangle 5">
+            <a:extLst>
+              <a:ext uri="{FF2B5EF4-FFF2-40B4-BE49-F238E27FC236}">
+                <a16:creationId xmlns:a16="http://schemas.microsoft.com/office/drawing/2014/main" id="{DF509EE0-C495-FFE3-0469-24057CA6FA58}"/>
+              </a:ext>
+            </a:extLst>
+          </p:cNvPr>
+          <p:cNvSpPr>
+            <a:spLocks/>
+          </p:cNvSpPr>
+          <p:nvPr/>
+        </p:nvSpPr>
+        <p:spPr bwMode="auto">
+          <a:xfrm>
+            <a:off x="485428" y="129973"/>
+            <a:ext cx="9649072" cy="369332"/>
+          </a:xfrm>
+          <a:prstGeom prst="rect">
+            <a:avLst/>
+          </a:prstGeom>
+          <a:noFill/>
+          <a:ln>
+            <a:noFill/>
+          </a:ln>
+        </p:spPr>
+        <p:txBody>
+          <a:bodyPr wrap="square" lIns="0" tIns="0" rIns="0" bIns="0">
+            <a:spAutoFit/>
+          </a:bodyPr>
+          <a:lstStyle>
+            <a:lvl1pPr algn="ctr" eaLnBrk="0" hangingPunct="0">
+              <a:defRPr u="sng">
+                <a:solidFill>
+                  <a:schemeClr val="tx2"/>
+                </a:solidFill>
+                <a:latin typeface="Calibri" panose="020F0502020204030204" pitchFamily="34" charset="0"/>
+              </a:defRPr>
+            </a:lvl1pPr>
+            <a:lvl2pPr algn="ctr" eaLnBrk="0" hangingPunct="0">
+              <a:defRPr u="sng">
+                <a:solidFill>
+                  <a:schemeClr val="tx2"/>
+                </a:solidFill>
+                <a:latin typeface="Calibri" panose="020F0502020204030204" pitchFamily="34" charset="0"/>
+              </a:defRPr>
+            </a:lvl2pPr>
+            <a:lvl3pPr algn="ctr" eaLnBrk="0" hangingPunct="0">
+              <a:defRPr u="sng">
+                <a:solidFill>
+                  <a:schemeClr val="tx2"/>
+                </a:solidFill>
+                <a:latin typeface="Calibri" panose="020F0502020204030204" pitchFamily="34" charset="0"/>
+              </a:defRPr>
+            </a:lvl3pPr>
+            <a:lvl4pPr algn="ctr" eaLnBrk="0" hangingPunct="0">
+              <a:defRPr u="sng">
+                <a:solidFill>
+                  <a:schemeClr val="tx2"/>
+                </a:solidFill>
+                <a:latin typeface="Calibri" panose="020F0502020204030204" pitchFamily="34" charset="0"/>
+              </a:defRPr>
+            </a:lvl4pPr>
+            <a:lvl5pPr algn="ctr" eaLnBrk="0" hangingPunct="0">
+              <a:defRPr u="sng">
+                <a:solidFill>
+                  <a:schemeClr val="tx2"/>
+                </a:solidFill>
+                <a:latin typeface="Calibri" panose="020F0502020204030204" pitchFamily="34" charset="0"/>
+              </a:defRPr>
+            </a:lvl5pPr>
+            <a:lvl6pPr marL="457200" algn="ctr" eaLnBrk="0" fontAlgn="base" hangingPunct="0">
+              <a:spcBef>
+                <a:spcPct val="0"/>
+              </a:spcBef>
+              <a:spcAft>
+                <a:spcPct val="0"/>
+              </a:spcAft>
+              <a:defRPr u="sng">
+                <a:solidFill>
+                  <a:schemeClr val="tx2"/>
+                </a:solidFill>
+                <a:latin typeface="Calibri" panose="020F0502020204030204" pitchFamily="34" charset="0"/>
+              </a:defRPr>
+            </a:lvl6pPr>
+            <a:lvl7pPr marL="914400" algn="ctr" eaLnBrk="0" fontAlgn="base" hangingPunct="0">
+              <a:spcBef>
+                <a:spcPct val="0"/>
+              </a:spcBef>
+              <a:spcAft>
+                <a:spcPct val="0"/>
+              </a:spcAft>
+              <a:defRPr u="sng">
+                <a:solidFill>
+                  <a:schemeClr val="tx2"/>
+                </a:solidFill>
+                <a:latin typeface="Calibri" panose="020F0502020204030204" pitchFamily="34" charset="0"/>
+              </a:defRPr>
+            </a:lvl7pPr>
+            <a:lvl8pPr marL="1371600" algn="ctr" eaLnBrk="0" fontAlgn="base" hangingPunct="0">
+              <a:spcBef>
+                <a:spcPct val="0"/>
+              </a:spcBef>
+              <a:spcAft>
+                <a:spcPct val="0"/>
+              </a:spcAft>
+              <a:defRPr u="sng">
+                <a:solidFill>
+                  <a:schemeClr val="tx2"/>
+                </a:solidFill>
+                <a:latin typeface="Calibri" panose="020F0502020204030204" pitchFamily="34" charset="0"/>
+              </a:defRPr>
+            </a:lvl8pPr>
+            <a:lvl9pPr marL="1828800" algn="ctr" eaLnBrk="0" fontAlgn="base" hangingPunct="0">
+              <a:spcBef>
+                <a:spcPct val="0"/>
+              </a:spcBef>
+              <a:spcAft>
+                <a:spcPct val="0"/>
+              </a:spcAft>
+              <a:defRPr u="sng">
+                <a:solidFill>
+                  <a:schemeClr val="tx2"/>
+                </a:solidFill>
+                <a:latin typeface="Calibri" panose="020F0502020204030204" pitchFamily="34" charset="0"/>
+              </a:defRPr>
+            </a:lvl9pPr>
+          </a:lstStyle>
+          <a:p>
+            <a:pPr algn="r">
+              <a:defRPr/>
+            </a:pPr>
+            <a:r>
+              <a:rPr lang="fr-FR" altLang="fr-FR" sz="2400" u="none" dirty="0">
+                <a:solidFill>
+                  <a:schemeClr val="tx1"/>
+                </a:solidFill>
+                <a:latin typeface="Gill Sans MT" panose="020B0502020104020203" pitchFamily="34" charset="77"/>
+                <a:cs typeface="Arial" panose="020B0604020202020204" pitchFamily="34" charset="0"/>
+              </a:rPr>
+              <a:t>Programmation objet en JS</a:t>
+            </a:r>
+          </a:p>
+        </p:txBody>
+      </p:sp>
+      <p:pic>
+        <p:nvPicPr>
+          <p:cNvPr id="4" name="Image 3" descr="Une image contenant texte, capture d’écran, Police, nombre&#10;&#10;Description générée automatiquement">
+            <a:extLst>
+              <a:ext uri="{FF2B5EF4-FFF2-40B4-BE49-F238E27FC236}">
+                <a16:creationId xmlns:a16="http://schemas.microsoft.com/office/drawing/2014/main" id="{58E4657A-2131-603C-0C4D-CCD2F14E69F7}"/>
+              </a:ext>
+            </a:extLst>
+          </p:cNvPr>
+          <p:cNvPicPr>
+            <a:picLocks noChangeAspect="1"/>
+          </p:cNvPicPr>
+          <p:nvPr/>
+        </p:nvPicPr>
+        <p:blipFill>
+          <a:blip r:embed="rId3">
+            <a:extLst>
+              <a:ext uri="{28A0092B-C50C-407E-A947-70E740481C1C}">
+                <a14:useLocalDpi xmlns:a14="http://schemas.microsoft.com/office/drawing/2010/main" val="0"/>
+              </a:ext>
+            </a:extLst>
+          </a:blip>
+          <a:stretch>
+            <a:fillRect/>
+          </a:stretch>
+        </p:blipFill>
+        <p:spPr>
+          <a:xfrm>
+            <a:off x="616560" y="1650186"/>
+            <a:ext cx="9517940" cy="3358237"/>
+          </a:xfrm>
+          <a:prstGeom prst="rect">
+            <a:avLst/>
+          </a:prstGeom>
+        </p:spPr>
+      </p:pic>
+    </p:spTree>
+    <p:extLst>
+      <p:ext uri="{BB962C8B-B14F-4D97-AF65-F5344CB8AC3E}">
+        <p14:creationId xmlns:p14="http://schemas.microsoft.com/office/powerpoint/2010/main" val="3114146889"/>
+      </p:ext>
+    </p:extLst>
+  </p:cSld>
+  <p:clrMapOvr>
+    <a:masterClrMapping/>
+  </p:clrMapOvr>
+  <mc:AlternateContent xmlns:mc="http://schemas.openxmlformats.org/markup-compatibility/2006" xmlns:p14="http://schemas.microsoft.com/office/powerpoint/2010/main">
+    <mc:Choice Requires="p14">
+      <p:transition spd="slow" p14:dur="1600">
+        <p14:gallery dir="l"/>
+      </p:transition>
+    </mc:Choice>
+    <mc:Fallback xmlns="">
+      <p:transition spd="slow">
+        <p:fade/>
+      </p:transition>
+    </mc:Fallback>
+  </mc:AlternateContent>
+</p:sld>
+</file>
+
+<file path=ppt/slides/slide43.xml><?xml version="1.0" encoding="utf-8"?>
 <p:sld xmlns:a="http://schemas.openxmlformats.org/drawingml/2006/main" xmlns:r="http://schemas.openxmlformats.org/officeDocument/2006/relationships" xmlns:p="http://schemas.openxmlformats.org/presentationml/2006/main">
   <p:cSld>
     <p:spTree>
@@ -33518,7 +34642,7 @@
             <a:fld id="{9705A05D-FF3A-44F5-A745-C0E08A1F0267}" type="slidenum">
               <a:rPr lang="fr-FR" smtClean="0"/>
               <a:pPr/>
-              <a:t>41</a:t>
+              <a:t>43</a:t>
             </a:fld>
             <a:endParaRPr lang="fr-FR" dirty="0"/>
           </a:p>
@@ -34156,7 +35280,7 @@
 </p:sld>
 </file>
 
-<file path=ppt/slides/slide42.xml><?xml version="1.0" encoding="utf-8"?>
+<file path=ppt/slides/slide44.xml><?xml version="1.0" encoding="utf-8"?>
 <p:sld xmlns:a="http://schemas.openxmlformats.org/drawingml/2006/main" xmlns:r="http://schemas.openxmlformats.org/officeDocument/2006/relationships" xmlns:p="http://schemas.openxmlformats.org/presentationml/2006/main">
   <p:cSld>
     <p:spTree>
@@ -34203,7 +35327,7 @@
             <a:fld id="{9705A05D-FF3A-44F5-A745-C0E08A1F0267}" type="slidenum">
               <a:rPr lang="fr-FR" smtClean="0"/>
               <a:pPr/>
-              <a:t>42</a:t>
+              <a:t>44</a:t>
             </a:fld>
             <a:endParaRPr lang="fr-FR" dirty="0"/>
           </a:p>
@@ -34826,7 +35950,7 @@
 </p:sld>
 </file>
 
-<file path=ppt/slides/slide43.xml><?xml version="1.0" encoding="utf-8"?>
+<file path=ppt/slides/slide45.xml><?xml version="1.0" encoding="utf-8"?>
 <p:sld xmlns:a="http://schemas.openxmlformats.org/drawingml/2006/main" xmlns:r="http://schemas.openxmlformats.org/officeDocument/2006/relationships" xmlns:p="http://schemas.openxmlformats.org/presentationml/2006/main">
   <p:cSld>
     <p:spTree>
@@ -34867,7 +35991,7 @@
             <a:fld id="{9705A05D-FF3A-44F5-A745-C0E08A1F0267}" type="slidenum">
               <a:rPr lang="fr-FR" smtClean="0"/>
               <a:pPr/>
-              <a:t>43</a:t>
+              <a:t>45</a:t>
             </a:fld>
             <a:endParaRPr lang="fr-FR" dirty="0"/>
           </a:p>
@@ -34888,7 +36012,7 @@
         <p:spPr>
           <a:xfrm>
             <a:off x="629444" y="1133698"/>
-            <a:ext cx="9505056" cy="4196020"/>
+            <a:ext cx="9505056" cy="4750018"/>
           </a:xfrm>
           <a:prstGeom prst="rect">
             <a:avLst/>
@@ -34944,7 +36068,7 @@
                 <a:effectLst/>
                 <a:latin typeface="Arial" panose="020B0604020202020204" pitchFamily="34" charset="0"/>
               </a:rPr>
-              <a:t>branche </a:t>
+              <a:t>Day1--&gt;</a:t>
             </a:r>
             <a:r>
               <a:rPr kumimoji="0" lang="fr-FR" altLang="fr-TN" sz="1800" b="1" i="0" u="none" strike="noStrike" cap="none" normalizeH="0" baseline="0" dirty="0" err="1">
@@ -34957,7 +36081,7 @@
                 <a:effectLst/>
                 <a:latin typeface="Arial" panose="020B0604020202020204" pitchFamily="34" charset="0"/>
               </a:rPr>
-              <a:t>poo</a:t>
+              <a:t>Afternoon</a:t>
             </a:r>
             <a:endParaRPr kumimoji="0" lang="fr-FR" altLang="fr-TN" sz="1800" b="1" i="0" u="none" strike="noStrike" cap="none" normalizeH="0" baseline="0" dirty="0">
               <a:ln>
@@ -35019,7 +36143,67 @@
                 <a:effectLst/>
                 <a:latin typeface="Arial" panose="020B0604020202020204" pitchFamily="34" charset="0"/>
               </a:rPr>
-              <a:t>Exercice 1 </a:t>
+              <a:t>TODO1</a:t>
+            </a:r>
+          </a:p>
+          <a:p>
+            <a:pPr eaLnBrk="0" hangingPunct="0">
+              <a:lnSpc>
+                <a:spcPct val="200000"/>
+              </a:lnSpc>
+            </a:pPr>
+            <a:r>
+              <a:rPr kumimoji="0" lang="fr-FR" altLang="fr-TN" sz="1800" b="0" i="0" u="none" strike="noStrike" cap="none" normalizeH="0" baseline="0" dirty="0">
+                <a:ln>
+                  <a:noFill/>
+                </a:ln>
+                <a:solidFill>
+                  <a:schemeClr val="tx1"/>
+                </a:solidFill>
+                <a:effectLst/>
+                <a:latin typeface="Arial" panose="020B0604020202020204" pitchFamily="34" charset="0"/>
+              </a:rPr>
+              <a:t>TODO2</a:t>
+            </a:r>
+          </a:p>
+          <a:p>
+            <a:pPr eaLnBrk="0" hangingPunct="0">
+              <a:lnSpc>
+                <a:spcPct val="200000"/>
+              </a:lnSpc>
+            </a:pPr>
+            <a:r>
+              <a:rPr kumimoji="0" lang="fr-FR" altLang="fr-TN" sz="1800" b="0" i="0" u="none" strike="noStrike" cap="none" normalizeH="0" baseline="0" dirty="0">
+                <a:ln>
+                  <a:noFill/>
+                </a:ln>
+                <a:solidFill>
+                  <a:schemeClr val="tx1"/>
+                </a:solidFill>
+                <a:effectLst/>
+                <a:latin typeface="Arial" panose="020B0604020202020204" pitchFamily="34" charset="0"/>
+              </a:rPr>
+              <a:t>TODO3</a:t>
+            </a:r>
+          </a:p>
+          <a:p>
+            <a:pPr eaLnBrk="0" hangingPunct="0">
+              <a:lnSpc>
+                <a:spcPct val="200000"/>
+              </a:lnSpc>
+            </a:pPr>
+            <a:r>
+              <a:rPr kumimoji="0" lang="fr-FR" altLang="fr-TN" sz="1800" b="0" i="0" u="none" strike="noStrike" cap="none" normalizeH="0" baseline="0" dirty="0">
+                <a:ln>
+                  <a:noFill/>
+                </a:ln>
+                <a:solidFill>
+                  <a:schemeClr val="tx1"/>
+                </a:solidFill>
+                <a:effectLst/>
+                <a:latin typeface="Arial" panose="020B0604020202020204" pitchFamily="34" charset="0"/>
+              </a:rPr>
+              <a:t>TODO4</a:t>
             </a:r>
           </a:p>
           <a:p>
@@ -35039,77 +36223,7 @@
               <a:buNone/>
               <a:tabLst/>
             </a:pPr>
-            <a:r>
-              <a:rPr lang="fr-FR" altLang="fr-TN" sz="1800" dirty="0">
-                <a:latin typeface="Arial" panose="020B0604020202020204" pitchFamily="34" charset="0"/>
-              </a:rPr>
-              <a:t>Exercice 2</a:t>
-            </a:r>
-          </a:p>
-          <a:p>
-            <a:pPr marL="0" marR="0" lvl="0" indent="0" algn="l" defTabSz="914400" rtl="0" eaLnBrk="0" fontAlgn="base" latinLnBrk="0" hangingPunct="0">
-              <a:lnSpc>
-                <a:spcPct val="200000"/>
-              </a:lnSpc>
-              <a:spcBef>
-                <a:spcPct val="0"/>
-              </a:spcBef>
-              <a:spcAft>
-                <a:spcPct val="0"/>
-              </a:spcAft>
-              <a:buClrTx/>
-              <a:buSzTx/>
-              <a:buFontTx/>
-              <a:buNone/>
-              <a:tabLst/>
-            </a:pPr>
-            <a:r>
-              <a:rPr kumimoji="0" lang="fr-FR" altLang="fr-TN" sz="1800" b="0" i="0" u="none" strike="noStrike" cap="none" normalizeH="0" baseline="0" dirty="0">
-                <a:ln>
-                  <a:noFill/>
-                </a:ln>
-                <a:solidFill>
-                  <a:schemeClr val="tx1"/>
-                </a:solidFill>
-                <a:effectLst/>
-                <a:latin typeface="Arial" panose="020B0604020202020204" pitchFamily="34" charset="0"/>
-              </a:rPr>
-              <a:t>Exercice 3 </a:t>
-            </a:r>
-          </a:p>
-          <a:p>
-            <a:pPr eaLnBrk="0" hangingPunct="0">
-              <a:lnSpc>
-                <a:spcPct val="200000"/>
-              </a:lnSpc>
-            </a:pPr>
-            <a:r>
-              <a:rPr kumimoji="0" lang="fr-FR" altLang="fr-TN" sz="1800" b="0" i="0" u="none" strike="noStrike" cap="none" normalizeH="0" baseline="0" dirty="0">
-                <a:ln>
-                  <a:noFill/>
-                </a:ln>
-                <a:solidFill>
-                  <a:schemeClr val="tx1"/>
-                </a:solidFill>
-                <a:effectLst/>
-                <a:latin typeface="Arial" panose="020B0604020202020204" pitchFamily="34" charset="0"/>
-              </a:rPr>
-              <a:t>Exercice 4 </a:t>
-            </a:r>
-            <a:r>
-              <a:rPr kumimoji="0" lang="fr-FR" altLang="fr-TN" sz="1800" b="0" i="0" u="none" strike="noStrike" cap="none" normalizeH="0" baseline="0">
-                <a:ln>
-                  <a:noFill/>
-                </a:ln>
-                <a:solidFill>
-                  <a:schemeClr val="tx1"/>
-                </a:solidFill>
-                <a:effectLst/>
-                <a:latin typeface="Arial" panose="020B0604020202020204" pitchFamily="34" charset="0"/>
-              </a:rPr>
-              <a:t>: visibilité  </a:t>
-            </a:r>
-            <a:endParaRPr kumimoji="0" lang="fr-TN" altLang="fr-TN" sz="1800" b="0" i="0" u="none" strike="noStrike" cap="none" normalizeH="0" baseline="0" dirty="0">
+            <a:endParaRPr kumimoji="0" lang="fr-FR" altLang="fr-TN" sz="1800" b="0" i="0" u="none" strike="noStrike" cap="none" normalizeH="0" baseline="0" dirty="0">
               <a:ln>
                 <a:noFill/>
               </a:ln>
@@ -35337,7 +36451,7 @@
 </p:sld>
 </file>
 
-<file path=ppt/slides/slide44.xml><?xml version="1.0" encoding="utf-8"?>
+<file path=ppt/slides/slide46.xml><?xml version="1.0" encoding="utf-8"?>
 <p:sld xmlns:a="http://schemas.openxmlformats.org/drawingml/2006/main" xmlns:r="http://schemas.openxmlformats.org/officeDocument/2006/relationships" xmlns:p="http://schemas.openxmlformats.org/presentationml/2006/main">
   <p:cSld>
     <p:spTree>
@@ -35378,7 +36492,7 @@
             <a:fld id="{9705A05D-FF3A-44F5-A745-C0E08A1F0267}" type="slidenum">
               <a:rPr lang="fr-FR" smtClean="0"/>
               <a:pPr/>
-              <a:t>44</a:t>
+              <a:t>46</a:t>
             </a:fld>
             <a:endParaRPr lang="fr-FR" dirty="0"/>
           </a:p>
